--- a/buho_back/templates/powerpoint.pptx
+++ b/buho_back/templates/powerpoint.pptx
@@ -226,7 +226,7 @@
           <a:p>
             <a:fld id="{80680FBE-A8DF-4758-9AC4-3A9E1039168F}" type="datetimeFigureOut">
               <a:rPr lang="en-US" smtClean="0"/>
-              <a:t>7/4/2024</a:t>
+              <a:t>7/13/24</a:t>
             </a:fld>
             <a:endParaRPr lang="en-US"/>
           </a:p>
@@ -292,7 +292,7 @@
           <a:p>
             <a:fld id="{9C679768-A2FC-4D08-91F6-8DCE6C566B36}" type="slidenum">
               <a:rPr lang="en-US" smtClean="0"/>
-              <a:t>‹N°›</a:t>
+              <a:t>‹#›</a:t>
             </a:fld>
             <a:endParaRPr lang="en-US"/>
           </a:p>
@@ -391,7 +391,7 @@
           <a:p>
             <a:fld id="{EC13577B-6902-467D-A26C-08A0DD5E4E03}" type="datetimeFigureOut">
               <a:rPr lang="en-US" smtClean="0"/>
-              <a:t>7/4/2024</a:t>
+              <a:t>7/13/24</a:t>
             </a:fld>
             <a:endParaRPr lang="en-US"/>
           </a:p>
@@ -549,7 +549,7 @@
           <a:p>
             <a:fld id="{DF61EA0F-A667-4B49-8422-0062BC55E249}" type="slidenum">
               <a:rPr lang="en-US" smtClean="0"/>
-              <a:t>‹N°›</a:t>
+              <a:t>‹#›</a:t>
             </a:fld>
             <a:endParaRPr lang="en-US"/>
           </a:p>
@@ -692,10 +692,12 @@
           </a:xfrm>
         </p:spPr>
         <p:txBody>
-          <a:bodyPr/>
+          <a:bodyPr>
+            <a:normAutofit/>
+          </a:bodyPr>
           <a:lstStyle>
             <a:lvl1pPr>
-              <a:defRPr sz="5400" b="0">
+              <a:defRPr sz="4000" b="0">
                 <a:solidFill>
                   <a:schemeClr val="tx1"/>
                 </a:solidFill>
@@ -847,7 +849,7 @@
             <a:fld id="{8BEEBAAA-29B5-4AF5-BC5F-7E580C29002D}" type="datetimeFigureOut">
               <a:rPr lang="en-US" smtClean="0"/>
               <a:pPr/>
-              <a:t>7/4/2024</a:t>
+              <a:t>7/13/24</a:t>
             </a:fld>
             <a:endParaRPr lang="en-US"/>
           </a:p>
@@ -902,7 +904,7 @@
             <a:fld id="{9860EDB8-5305-433F-BE41-D7A86D811DB3}" type="slidenum">
               <a:rPr lang="en-US" smtClean="0"/>
               <a:pPr/>
-              <a:t>‹N°›</a:t>
+              <a:t>‹#›</a:t>
             </a:fld>
             <a:endParaRPr lang="en-US"/>
           </a:p>
@@ -1052,7 +1054,7 @@
             <a:fld id="{8BEEBAAA-29B5-4AF5-BC5F-7E580C29002D}" type="datetimeFigureOut">
               <a:rPr lang="en-US" smtClean="0"/>
               <a:pPr/>
-              <a:t>7/4/2024</a:t>
+              <a:t>7/13/24</a:t>
             </a:fld>
             <a:endParaRPr lang="en-US"/>
           </a:p>
@@ -1107,7 +1109,7 @@
             <a:fld id="{9860EDB8-5305-433F-BE41-D7A86D811DB3}" type="slidenum">
               <a:rPr lang="en-US" smtClean="0"/>
               <a:pPr/>
-              <a:t>‹N°›</a:t>
+              <a:t>‹#›</a:t>
             </a:fld>
             <a:endParaRPr lang="en-US"/>
           </a:p>
@@ -1319,7 +1321,7 @@
             <a:fld id="{8BEEBAAA-29B5-4AF5-BC5F-7E580C29002D}" type="datetimeFigureOut">
               <a:rPr lang="en-US" smtClean="0"/>
               <a:pPr/>
-              <a:t>7/4/2024</a:t>
+              <a:t>7/13/24</a:t>
             </a:fld>
             <a:endParaRPr lang="en-US"/>
           </a:p>
@@ -1374,7 +1376,7 @@
             <a:fld id="{9860EDB8-5305-433F-BE41-D7A86D811DB3}" type="slidenum">
               <a:rPr lang="en-US" smtClean="0"/>
               <a:pPr/>
-              <a:t>‹N°›</a:t>
+              <a:t>‹#›</a:t>
             </a:fld>
             <a:endParaRPr lang="en-US"/>
           </a:p>
@@ -1524,7 +1526,7 @@
             <a:fld id="{8BEEBAAA-29B5-4AF5-BC5F-7E580C29002D}" type="datetimeFigureOut">
               <a:rPr lang="en-US" smtClean="0"/>
               <a:pPr/>
-              <a:t>7/4/2024</a:t>
+              <a:t>7/13/24</a:t>
             </a:fld>
             <a:endParaRPr lang="en-US"/>
           </a:p>
@@ -1579,7 +1581,7 @@
             <a:fld id="{9860EDB8-5305-433F-BE41-D7A86D811DB3}" type="slidenum">
               <a:rPr lang="en-US" smtClean="0"/>
               <a:pPr/>
-              <a:t>‹N°›</a:t>
+              <a:t>‹#›</a:t>
             </a:fld>
             <a:endParaRPr lang="en-US"/>
           </a:p>
@@ -1753,7 +1755,7 @@
             <a:fld id="{8BEEBAAA-29B5-4AF5-BC5F-7E580C29002D}" type="datetimeFigureOut">
               <a:rPr lang="en-US" smtClean="0"/>
               <a:pPr/>
-              <a:t>7/4/2024</a:t>
+              <a:t>7/13/24</a:t>
             </a:fld>
             <a:endParaRPr lang="en-US"/>
           </a:p>
@@ -1834,7 +1836,7 @@
             <a:fld id="{9860EDB8-5305-433F-BE41-D7A86D811DB3}" type="slidenum">
               <a:rPr lang="en-US" smtClean="0"/>
               <a:pPr/>
-              <a:t>‹N°›</a:t>
+              <a:t>‹#›</a:t>
             </a:fld>
             <a:endParaRPr lang="en-US"/>
           </a:p>
@@ -3093,15 +3095,6 @@
 </file>
 
 <file path=customXml/item1.xml><?xml version="1.0" encoding="utf-8"?>
-<?mso-contentType ?>
-<FormTemplates xmlns="http://schemas.microsoft.com/sharepoint/v3/contenttype/forms">
-  <Display>DocumentLibraryForm</Display>
-  <Edit>DocumentLibraryForm</Edit>
-  <New>DocumentLibraryForm</New>
-</FormTemplates>
-</file>
-
-<file path=customXml/item2.xml><?xml version="1.0" encoding="utf-8"?>
 <p:properties xmlns:p="http://schemas.microsoft.com/office/2006/metadata/properties" xmlns:xsi="http://www.w3.org/2001/XMLSchema-instance" xmlns:pc="http://schemas.microsoft.com/office/infopath/2007/PartnerControls">
   <documentManagement>
     <Background xmlns="71af3243-3dd4-4a8d-8c0d-dd76da1f02a5">false</Background>
@@ -3121,7 +3114,7 @@
 </p:properties>
 </file>
 
-<file path=customXml/item3.xml><?xml version="1.0" encoding="utf-8"?>
+<file path=customXml/item2.xml><?xml version="1.0" encoding="utf-8"?>
 <ct:contentTypeSchema xmlns:ct="http://schemas.microsoft.com/office/2006/metadata/contentType" xmlns:ma="http://schemas.microsoft.com/office/2006/metadata/properties/metaAttributes" ct:_="" ma:_="" ma:contentTypeName="Document" ma:contentTypeID="0x01010079F111ED35F8CC479449609E8A0923A6" ma:contentTypeVersion="28" ma:contentTypeDescription="Create a new document." ma:contentTypeScope="" ma:versionID="60f5a4f2d2b0abadcf532d48ebf9cb71">
   <xsd:schema xmlns:xsd="http://www.w3.org/2001/XMLSchema" xmlns:xs="http://www.w3.org/2001/XMLSchema" xmlns:p="http://schemas.microsoft.com/office/2006/metadata/properties" xmlns:ns1="http://schemas.microsoft.com/sharepoint/v3" xmlns:ns2="71af3243-3dd4-4a8d-8c0d-dd76da1f02a5" xmlns:ns3="16c05727-aa75-4e4a-9b5f-8a80a1165891" xmlns:ns4="230e9df3-be65-4c73-a93b-d1236ebd677e" targetNamespace="http://schemas.microsoft.com/office/2006/metadata/properties" ma:root="true" ma:fieldsID="7dd78129e6a1811f84807ad11c651531" ns1:_="" ns2:_="" ns3:_="" ns4:_="">
     <xsd:import namespace="http://schemas.microsoft.com/sharepoint/v3"/>
@@ -3433,15 +3426,16 @@
 </ct:contentTypeSchema>
 </file>
 
-<file path=customXml/itemProps1.xml><?xml version="1.0" encoding="utf-8"?>
-<ds:datastoreItem xmlns:ds="http://schemas.openxmlformats.org/officeDocument/2006/customXml" ds:itemID="{6FB6FBE4-5ACD-4115-9139-635E82C3D35A}">
-  <ds:schemaRefs>
-    <ds:schemaRef ds:uri="http://schemas.microsoft.com/sharepoint/v3/contenttype/forms"/>
-  </ds:schemaRefs>
-</ds:datastoreItem>
+<file path=customXml/item3.xml><?xml version="1.0" encoding="utf-8"?>
+<?mso-contentType ?>
+<FormTemplates xmlns="http://schemas.microsoft.com/sharepoint/v3/contenttype/forms">
+  <Display>DocumentLibraryForm</Display>
+  <Edit>DocumentLibraryForm</Edit>
+  <New>DocumentLibraryForm</New>
+</FormTemplates>
 </file>
 
-<file path=customXml/itemProps2.xml><?xml version="1.0" encoding="utf-8"?>
+<file path=customXml/itemProps1.xml><?xml version="1.0" encoding="utf-8"?>
 <ds:datastoreItem xmlns:ds="http://schemas.openxmlformats.org/officeDocument/2006/customXml" ds:itemID="{A7EFEE82-03DD-4F90-81E2-2AF29E1D81FB}">
   <ds:schemaRefs>
     <ds:schemaRef ds:uri="http://schemas.microsoft.com/office/2006/metadata/properties"/>
@@ -3453,7 +3447,7 @@
 </ds:datastoreItem>
 </file>
 
-<file path=customXml/itemProps3.xml><?xml version="1.0" encoding="utf-8"?>
+<file path=customXml/itemProps2.xml><?xml version="1.0" encoding="utf-8"?>
 <ds:datastoreItem xmlns:ds="http://schemas.openxmlformats.org/officeDocument/2006/customXml" ds:itemID="{D0C6F549-03FF-4828-9BD8-8F40C0A2B2BD}">
   <ds:schemaRefs>
     <ds:schemaRef ds:uri="http://schemas.microsoft.com/office/2006/metadata/contentType"/>
@@ -3474,6 +3468,14 @@
 </ds:datastoreItem>
 </file>
 
+<file path=customXml/itemProps3.xml><?xml version="1.0" encoding="utf-8"?>
+<ds:datastoreItem xmlns:ds="http://schemas.openxmlformats.org/officeDocument/2006/customXml" ds:itemID="{6FB6FBE4-5ACD-4115-9139-635E82C3D35A}">
+  <ds:schemaRefs>
+    <ds:schemaRef ds:uri="http://schemas.microsoft.com/sharepoint/v3/contenttype/forms"/>
+  </ds:schemaRefs>
+</ds:datastoreItem>
+</file>
+
 <file path=docMetadata/LabelInfo.xml><?xml version="1.0" encoding="utf-8"?>
 <clbl:labelList xmlns:clbl="http://schemas.microsoft.com/office/2020/mipLabelMetadata"/>
 </file>